--- a/01_Unit/PowerPoints/06_UserInput.pptx
+++ b/01_Unit/PowerPoints/06_UserInput.pptx
@@ -1819,7 +1819,7 @@
           <a:p>
             <a:fld id="{9EE5AD6B-3370-4FCF-A6D3-B10939C2535B}" type="datetimeFigureOut">
               <a:rPr lang="en-US" smtClean="0"/>
-              <a:t>7/28/2020</a:t>
+              <a:t>8/4/2020</a:t>
             </a:fld>
             <a:endParaRPr lang="en-US"/>
           </a:p>
@@ -4994,9 +4994,9 @@
           <a:bodyPr/>
           <a:lstStyle/>
           <a:p>
-            <a:fld id="{A22EFDB4-0BC3-4CB3-A7B2-14BE3B37D75F}" type="slidenum">
+            <a:fld id="{69C2CD94-9EA4-4D95-B6CB-D655DEEB3A53}" type="slidenum">
               <a:rPr lang="en-US" smtClean="0"/>
-              <a:t>40</a:t>
+              <a:t>39</a:t>
             </a:fld>
             <a:endParaRPr lang="en-US"/>
           </a:p>
@@ -5005,7 +5005,7 @@
     </p:spTree>
     <p:extLst>
       <p:ext uri="{BB962C8B-B14F-4D97-AF65-F5344CB8AC3E}">
-        <p14:creationId xmlns:p14="http://schemas.microsoft.com/office/powerpoint/2010/main" val="1229320116"/>
+        <p14:creationId xmlns:p14="http://schemas.microsoft.com/office/powerpoint/2010/main" val="2401832766"/>
       </p:ext>
     </p:extLst>
   </p:cSld>
@@ -5059,42 +5059,7 @@
           <a:bodyPr/>
           <a:lstStyle/>
           <a:p>
-            <a:r>
-              <a:rPr lang="en-US" dirty="0"/>
-              <a:t>Alright, onto our objectives for today. </a:t>
-            </a:r>
-          </a:p>
-          <a:p>
-            <a:r>
-              <a:rPr lang="en-US" dirty="0"/>
-              <a:t>First we will learn two print commands: print and </a:t>
-            </a:r>
-            <a:r>
-              <a:rPr lang="en-US" dirty="0" err="1"/>
-              <a:t>println</a:t>
-            </a:r>
-            <a:r>
-              <a:rPr lang="en-US" dirty="0"/>
-              <a:t>. </a:t>
-            </a:r>
-          </a:p>
-          <a:p>
-            <a:r>
-              <a:rPr lang="en-US" dirty="0"/>
-              <a:t>Next we will learn what an escape sequence is and how to use them with print commands.</a:t>
-            </a:r>
-          </a:p>
-          <a:p>
-            <a:r>
-              <a:rPr lang="en-US" dirty="0"/>
-              <a:t>Then we will go over two types of errors, syntax vs runtime errors. We will also learn the bane of every programmer’s existence – debugging.</a:t>
-            </a:r>
-          </a:p>
-          <a:p>
-            <a:r>
-              <a:rPr lang="en-US" dirty="0"/>
-              <a:t>Finally, we will continue to improve our best programming practices by learning what comments are and how to add comments to our code.</a:t>
-            </a:r>
+            <a:endParaRPr lang="en-US" dirty="0"/>
           </a:p>
         </p:txBody>
       </p:sp>
@@ -5115,7 +5080,7 @@
           <a:p>
             <a:fld id="{A22EFDB4-0BC3-4CB3-A7B2-14BE3B37D75F}" type="slidenum">
               <a:rPr lang="en-US" smtClean="0"/>
-              <a:t>41</a:t>
+              <a:t>40</a:t>
             </a:fld>
             <a:endParaRPr lang="en-US"/>
           </a:p>
@@ -5124,7 +5089,7 @@
     </p:spTree>
     <p:extLst>
       <p:ext uri="{BB962C8B-B14F-4D97-AF65-F5344CB8AC3E}">
-        <p14:creationId xmlns:p14="http://schemas.microsoft.com/office/powerpoint/2010/main" val="1323803178"/>
+        <p14:creationId xmlns:p14="http://schemas.microsoft.com/office/powerpoint/2010/main" val="1229320116"/>
       </p:ext>
     </p:extLst>
   </p:cSld>
@@ -5234,7 +5199,7 @@
           <a:p>
             <a:fld id="{A22EFDB4-0BC3-4CB3-A7B2-14BE3B37D75F}" type="slidenum">
               <a:rPr lang="en-US" smtClean="0"/>
-              <a:t>42</a:t>
+              <a:t>41</a:t>
             </a:fld>
             <a:endParaRPr lang="en-US"/>
           </a:p>
@@ -5353,7 +5318,7 @@
           <a:p>
             <a:fld id="{A22EFDB4-0BC3-4CB3-A7B2-14BE3B37D75F}" type="slidenum">
               <a:rPr lang="en-US" smtClean="0"/>
-              <a:t>43</a:t>
+              <a:t>42</a:t>
             </a:fld>
             <a:endParaRPr lang="en-US"/>
           </a:p>
@@ -5472,7 +5437,7 @@
           <a:p>
             <a:fld id="{A22EFDB4-0BC3-4CB3-A7B2-14BE3B37D75F}" type="slidenum">
               <a:rPr lang="en-US" smtClean="0"/>
-              <a:t>44</a:t>
+              <a:t>43</a:t>
             </a:fld>
             <a:endParaRPr lang="en-US"/>
           </a:p>
@@ -5710,7 +5675,7 @@
           <a:p>
             <a:fld id="{A22EFDB4-0BC3-4CB3-A7B2-14BE3B37D75F}" type="slidenum">
               <a:rPr lang="en-US" smtClean="0"/>
-              <a:t>45</a:t>
+              <a:t>44</a:t>
             </a:fld>
             <a:endParaRPr lang="en-US"/>
           </a:p>
@@ -5829,7 +5794,7 @@
           <a:p>
             <a:fld id="{A22EFDB4-0BC3-4CB3-A7B2-14BE3B37D75F}" type="slidenum">
               <a:rPr lang="en-US" smtClean="0"/>
-              <a:t>46</a:t>
+              <a:t>45</a:t>
             </a:fld>
             <a:endParaRPr lang="en-US"/>
           </a:p>
@@ -5892,7 +5857,42 @@
           <a:bodyPr/>
           <a:lstStyle/>
           <a:p>
-            <a:endParaRPr lang="en-US" dirty="0"/>
+            <a:r>
+              <a:rPr lang="en-US" dirty="0"/>
+              <a:t>Alright, onto our objectives for today. </a:t>
+            </a:r>
+          </a:p>
+          <a:p>
+            <a:r>
+              <a:rPr lang="en-US" dirty="0"/>
+              <a:t>First we will learn two print commands: print and </a:t>
+            </a:r>
+            <a:r>
+              <a:rPr lang="en-US" dirty="0" err="1"/>
+              <a:t>println</a:t>
+            </a:r>
+            <a:r>
+              <a:rPr lang="en-US" dirty="0"/>
+              <a:t>. </a:t>
+            </a:r>
+          </a:p>
+          <a:p>
+            <a:r>
+              <a:rPr lang="en-US" dirty="0"/>
+              <a:t>Next we will learn what an escape sequence is and how to use them with print commands.</a:t>
+            </a:r>
+          </a:p>
+          <a:p>
+            <a:r>
+              <a:rPr lang="en-US" dirty="0"/>
+              <a:t>Then we will go over two types of errors, syntax vs runtime errors. We will also learn the bane of every programmer’s existence – debugging.</a:t>
+            </a:r>
+          </a:p>
+          <a:p>
+            <a:r>
+              <a:rPr lang="en-US" dirty="0"/>
+              <a:t>Finally, we will continue to improve our best programming practices by learning what comments are and how to add comments to our code.</a:t>
+            </a:r>
           </a:p>
         </p:txBody>
       </p:sp>
@@ -5913,7 +5913,7 @@
           <a:p>
             <a:fld id="{A22EFDB4-0BC3-4CB3-A7B2-14BE3B37D75F}" type="slidenum">
               <a:rPr lang="en-US" smtClean="0"/>
-              <a:t>47</a:t>
+              <a:t>46</a:t>
             </a:fld>
             <a:endParaRPr lang="en-US"/>
           </a:p>
@@ -5922,7 +5922,7 @@
     </p:spTree>
     <p:extLst>
       <p:ext uri="{BB962C8B-B14F-4D97-AF65-F5344CB8AC3E}">
-        <p14:creationId xmlns:p14="http://schemas.microsoft.com/office/powerpoint/2010/main" val="480839886"/>
+        <p14:creationId xmlns:p14="http://schemas.microsoft.com/office/powerpoint/2010/main" val="1323803178"/>
       </p:ext>
     </p:extLst>
   </p:cSld>
@@ -5997,6 +5997,90 @@
           <a:p>
             <a:fld id="{A22EFDB4-0BC3-4CB3-A7B2-14BE3B37D75F}" type="slidenum">
               <a:rPr lang="en-US" smtClean="0"/>
+              <a:t>47</a:t>
+            </a:fld>
+            <a:endParaRPr lang="en-US"/>
+          </a:p>
+        </p:txBody>
+      </p:sp>
+    </p:spTree>
+    <p:extLst>
+      <p:ext uri="{BB962C8B-B14F-4D97-AF65-F5344CB8AC3E}">
+        <p14:creationId xmlns:p14="http://schemas.microsoft.com/office/powerpoint/2010/main" val="480839886"/>
+      </p:ext>
+    </p:extLst>
+  </p:cSld>
+  <p:clrMapOvr>
+    <a:masterClrMapping/>
+  </p:clrMapOvr>
+</p:notes>
+</file>
+
+<file path=ppt/notesSlides/notesSlide44.xml><?xml version="1.0" encoding="utf-8"?>
+<p:notes xmlns:a="http://schemas.openxmlformats.org/drawingml/2006/main" xmlns:r="http://schemas.openxmlformats.org/officeDocument/2006/relationships" xmlns:p="http://schemas.openxmlformats.org/presentationml/2006/main">
+  <p:cSld>
+    <p:spTree>
+      <p:nvGrpSpPr>
+        <p:cNvPr id="1" name=""/>
+        <p:cNvGrpSpPr/>
+        <p:nvPr/>
+      </p:nvGrpSpPr>
+      <p:grpSpPr>
+        <a:xfrm>
+          <a:off x="0" y="0"/>
+          <a:ext cx="0" cy="0"/>
+          <a:chOff x="0" y="0"/>
+          <a:chExt cx="0" cy="0"/>
+        </a:xfrm>
+      </p:grpSpPr>
+      <p:sp>
+        <p:nvSpPr>
+          <p:cNvPr id="2" name="Slide Image Placeholder 1"/>
+          <p:cNvSpPr>
+            <a:spLocks noGrp="1" noRot="1" noChangeAspect="1"/>
+          </p:cNvSpPr>
+          <p:nvPr>
+            <p:ph type="sldImg"/>
+          </p:nvPr>
+        </p:nvSpPr>
+        <p:spPr/>
+      </p:sp>
+      <p:sp>
+        <p:nvSpPr>
+          <p:cNvPr id="3" name="Notes Placeholder 2"/>
+          <p:cNvSpPr>
+            <a:spLocks noGrp="1"/>
+          </p:cNvSpPr>
+          <p:nvPr>
+            <p:ph type="body" idx="1"/>
+          </p:nvPr>
+        </p:nvSpPr>
+        <p:spPr/>
+        <p:txBody>
+          <a:bodyPr/>
+          <a:lstStyle/>
+          <a:p>
+            <a:endParaRPr lang="en-US" dirty="0"/>
+          </a:p>
+        </p:txBody>
+      </p:sp>
+      <p:sp>
+        <p:nvSpPr>
+          <p:cNvPr id="4" name="Slide Number Placeholder 3"/>
+          <p:cNvSpPr>
+            <a:spLocks noGrp="1"/>
+          </p:cNvSpPr>
+          <p:nvPr>
+            <p:ph type="sldNum" sz="quarter" idx="5"/>
+          </p:nvPr>
+        </p:nvSpPr>
+        <p:spPr/>
+        <p:txBody>
+          <a:bodyPr/>
+          <a:lstStyle/>
+          <a:p>
+            <a:fld id="{A22EFDB4-0BC3-4CB3-A7B2-14BE3B37D75F}" type="slidenum">
+              <a:rPr lang="en-US" smtClean="0"/>
               <a:t>48</a:t>
             </a:fld>
             <a:endParaRPr lang="en-US"/>
@@ -6016,7 +6100,7 @@
 </p:notes>
 </file>
 
-<file path=ppt/notesSlides/notesSlide44.xml><?xml version="1.0" encoding="utf-8"?>
+<file path=ppt/notesSlides/notesSlide45.xml><?xml version="1.0" encoding="utf-8"?>
 <p:notes xmlns:a="http://schemas.openxmlformats.org/drawingml/2006/main" xmlns:r="http://schemas.openxmlformats.org/officeDocument/2006/relationships" xmlns:p="http://schemas.openxmlformats.org/presentationml/2006/main">
   <p:cSld>
     <p:spTree>
@@ -6886,7 +6970,7 @@
           <a:p>
             <a:fld id="{8BC9ECA7-BA48-437F-8263-1ED39610FBF4}" type="datetimeFigureOut">
               <a:rPr lang="en-US" smtClean="0"/>
-              <a:t>7/28/2020</a:t>
+              <a:t>8/4/2020</a:t>
             </a:fld>
             <a:endParaRPr lang="en-US"/>
           </a:p>
@@ -7094,7 +7178,7 @@
           <a:p>
             <a:fld id="{8BC9ECA7-BA48-437F-8263-1ED39610FBF4}" type="datetimeFigureOut">
               <a:rPr lang="en-US" smtClean="0"/>
-              <a:t>7/28/2020</a:t>
+              <a:t>8/4/2020</a:t>
             </a:fld>
             <a:endParaRPr lang="en-US"/>
           </a:p>
@@ -7350,7 +7434,7 @@
           <a:p>
             <a:fld id="{8BC9ECA7-BA48-437F-8263-1ED39610FBF4}" type="datetimeFigureOut">
               <a:rPr lang="en-US" smtClean="0"/>
-              <a:t>7/28/2020</a:t>
+              <a:t>8/4/2020</a:t>
             </a:fld>
             <a:endParaRPr lang="en-US"/>
           </a:p>
@@ -7524,7 +7608,7 @@
           <a:p>
             <a:fld id="{8BC9ECA7-BA48-437F-8263-1ED39610FBF4}" type="datetimeFigureOut">
               <a:rPr lang="en-US" smtClean="0"/>
-              <a:t>7/28/2020</a:t>
+              <a:t>8/4/2020</a:t>
             </a:fld>
             <a:endParaRPr lang="en-US"/>
           </a:p>
@@ -7867,7 +7951,7 @@
           <a:p>
             <a:fld id="{8BC9ECA7-BA48-437F-8263-1ED39610FBF4}" type="datetimeFigureOut">
               <a:rPr lang="en-US" smtClean="0"/>
-              <a:t>7/28/2020</a:t>
+              <a:t>8/4/2020</a:t>
             </a:fld>
             <a:endParaRPr lang="en-US"/>
           </a:p>
@@ -8142,7 +8226,7 @@
           <a:p>
             <a:fld id="{8BC9ECA7-BA48-437F-8263-1ED39610FBF4}" type="datetimeFigureOut">
               <a:rPr lang="en-US" smtClean="0"/>
-              <a:t>7/28/2020</a:t>
+              <a:t>8/4/2020</a:t>
             </a:fld>
             <a:endParaRPr lang="en-US"/>
           </a:p>
@@ -8521,7 +8605,7 @@
           <a:p>
             <a:fld id="{8BC9ECA7-BA48-437F-8263-1ED39610FBF4}" type="datetimeFigureOut">
               <a:rPr lang="en-US" smtClean="0"/>
-              <a:t>7/28/2020</a:t>
+              <a:t>8/4/2020</a:t>
             </a:fld>
             <a:endParaRPr lang="en-US"/>
           </a:p>
@@ -8639,7 +8723,7 @@
           <a:p>
             <a:fld id="{8BC9ECA7-BA48-437F-8263-1ED39610FBF4}" type="datetimeFigureOut">
               <a:rPr lang="en-US" smtClean="0"/>
-              <a:t>7/28/2020</a:t>
+              <a:t>8/4/2020</a:t>
             </a:fld>
             <a:endParaRPr lang="en-US"/>
           </a:p>
@@ -8810,7 +8894,7 @@
           <a:p>
             <a:fld id="{8BC9ECA7-BA48-437F-8263-1ED39610FBF4}" type="datetimeFigureOut">
               <a:rPr lang="en-US" smtClean="0"/>
-              <a:t>7/28/2020</a:t>
+              <a:t>8/4/2020</a:t>
             </a:fld>
             <a:endParaRPr lang="en-US"/>
           </a:p>
@@ -9164,7 +9248,7 @@
           <a:p>
             <a:fld id="{8BC9ECA7-BA48-437F-8263-1ED39610FBF4}" type="datetimeFigureOut">
               <a:rPr lang="en-US" smtClean="0"/>
-              <a:t>7/28/2020</a:t>
+              <a:t>8/4/2020</a:t>
             </a:fld>
             <a:endParaRPr lang="en-US"/>
           </a:p>
@@ -9546,7 +9630,7 @@
           <a:p>
             <a:fld id="{8BC9ECA7-BA48-437F-8263-1ED39610FBF4}" type="datetimeFigureOut">
               <a:rPr lang="en-US" smtClean="0"/>
-              <a:t>7/28/2020</a:t>
+              <a:t>8/4/2020</a:t>
             </a:fld>
             <a:endParaRPr lang="en-US"/>
           </a:p>
@@ -9833,7 +9917,7 @@
           <a:p>
             <a:fld id="{8BC9ECA7-BA48-437F-8263-1ED39610FBF4}" type="datetimeFigureOut">
               <a:rPr lang="en-US" smtClean="0"/>
-              <a:t>7/28/2020</a:t>
+              <a:t>8/4/2020</a:t>
             </a:fld>
             <a:endParaRPr lang="en-US"/>
           </a:p>
@@ -10796,7 +10880,7 @@
             <a:pPr lvl="1"/>
             <a:r>
               <a:rPr lang="en-US" dirty="0"/>
-              <a:t>None</a:t>
+              <a:t>See 01_Scaffolding</a:t>
             </a:r>
           </a:p>
           <a:p>
@@ -12063,7 +12147,7 @@
           <a:p>
             <a:r>
               <a:rPr lang="en-US" dirty="0"/>
-              <a:t>Day 7</a:t>
+              <a:t>Day 6</a:t>
             </a:r>
           </a:p>
         </p:txBody>
@@ -13518,7 +13602,7 @@
             <a:pPr lvl="1"/>
             <a:r>
               <a:rPr lang="en-US" dirty="0" err="1"/>
-              <a:t>MainScanner</a:t>
+              <a:t>ScannerMain</a:t>
             </a:r>
             <a:endParaRPr lang="en-US" dirty="0"/>
           </a:p>
@@ -13558,7 +13642,7 @@
             <a:pPr lvl="1"/>
             <a:r>
               <a:rPr lang="en-US" dirty="0"/>
-              <a:t>None</a:t>
+              <a:t>See 01_Scaffolding</a:t>
             </a:r>
           </a:p>
           <a:p>
@@ -16384,13 +16468,8 @@
             <a:pPr lvl="1"/>
             <a:r>
               <a:rPr lang="en-US" dirty="0"/>
-              <a:t>Scanner </a:t>
-            </a:r>
-            <a:r>
-              <a:rPr lang="en-US"/>
-              <a:t>Input Practice</a:t>
-            </a:r>
-            <a:endParaRPr lang="en-US" dirty="0"/>
+              <a:t>Scanner Input Practice</a:t>
+            </a:r>
           </a:p>
           <a:p>
             <a:r>
@@ -16402,7 +16481,7 @@
             <a:pPr lvl="1"/>
             <a:r>
               <a:rPr lang="en-US" dirty="0"/>
-              <a:t>None</a:t>
+              <a:t>See 01_Scaffolding</a:t>
             </a:r>
           </a:p>
           <a:p>
@@ -16702,7 +16781,7 @@
             </a:r>
             <a:r>
               <a:rPr lang="en-US" dirty="0" err="1"/>
-              <a:t>newLine</a:t>
+              <a:t>nextLine</a:t>
             </a:r>
             <a:r>
               <a:rPr lang="en-US" dirty="0"/>
@@ -18283,7 +18362,15 @@
           <a:p>
             <a:r>
               <a:rPr lang="en-US" sz="2800" dirty="0"/>
-              <a:t>Possible Solution: Use a throwaway newline() to pick up the \n enter.</a:t>
+              <a:t>Possible Solution: Use a throwaway </a:t>
+            </a:r>
+            <a:r>
+              <a:rPr lang="en-US" sz="2800" dirty="0" err="1"/>
+              <a:t>nextLine</a:t>
+            </a:r>
+            <a:r>
+              <a:rPr lang="en-US" sz="2800" dirty="0"/>
+              <a:t>() to pick up the \n enter.</a:t>
             </a:r>
           </a:p>
         </p:txBody>
@@ -18982,7 +19069,7 @@
             </a:r>
             <a:r>
               <a:rPr lang="en-US" dirty="0" err="1"/>
-              <a:t>newLine</a:t>
+              <a:t>nextLine</a:t>
             </a:r>
             <a:r>
               <a:rPr lang="en-US" dirty="0"/>
@@ -19121,7 +19208,7 @@
             <a:pPr lvl="1"/>
             <a:r>
               <a:rPr lang="en-US" dirty="0"/>
-              <a:t>None</a:t>
+              <a:t>See 01_Scaffolding</a:t>
             </a:r>
           </a:p>
           <a:p>
